--- a/簡報_跨領域研究室.pptx
+++ b/簡報_跨領域研究室.pptx
@@ -3602,7 +3602,7 @@
         </p:nvSpPr>
         <p:spPr>
           <a:xfrm>
-            <a:off x="611560" y="662831"/>
+            <a:off x="251520" y="332656"/>
             <a:ext cx="8460432" cy="1470025"/>
           </a:xfrm>
         </p:spPr>
@@ -3671,7 +3671,7 @@
         </p:nvSpPr>
         <p:spPr>
           <a:xfrm>
-            <a:off x="683568" y="4484712"/>
+            <a:off x="683568" y="3933056"/>
             <a:ext cx="7776864" cy="1752600"/>
           </a:xfrm>
         </p:spPr>
@@ -3697,6 +3697,140 @@
               </a:rPr>
               <a:t>跨領域研究室</a:t>
             </a:r>
+          </a:p>
+        </p:txBody>
+      </p:sp>
+      <p:sp>
+        <p:nvSpPr>
+          <p:cNvPr id="4" name="副標題 2"/>
+          <p:cNvSpPr txBox="1">
+            <a:spLocks/>
+          </p:cNvSpPr>
+          <p:nvPr/>
+        </p:nvSpPr>
+        <p:spPr>
+          <a:xfrm>
+            <a:off x="251520" y="5301208"/>
+            <a:ext cx="8892480" cy="1437184"/>
+          </a:xfrm>
+          <a:prstGeom prst="rect">
+            <a:avLst/>
+          </a:prstGeom>
+        </p:spPr>
+        <p:txBody>
+          <a:bodyPr vert="horz" lIns="91440" tIns="45720" rIns="91440" bIns="45720" rtlCol="0">
+            <a:normAutofit/>
+          </a:bodyPr>
+          <a:lstStyle/>
+          <a:p>
+            <a:pPr marL="0" marR="0" lvl="0" indent="0" defTabSz="914400" rtl="0" eaLnBrk="1" fontAlgn="auto" latinLnBrk="0" hangingPunct="1">
+              <a:lnSpc>
+                <a:spcPct val="100000"/>
+              </a:lnSpc>
+              <a:spcBef>
+                <a:spcPct val="20000"/>
+              </a:spcBef>
+              <a:spcAft>
+                <a:spcPts val="0"/>
+              </a:spcAft>
+              <a:buClrTx/>
+              <a:buSzTx/>
+              <a:buFont typeface="Arial" pitchFamily="34" charset="0"/>
+              <a:buNone/>
+              <a:tabLst/>
+              <a:defRPr/>
+            </a:pPr>
+            <a:r>
+              <a:rPr kumimoji="0" lang="en-US" altLang="zh-TW" sz="3200" b="1" i="0" u="none" strike="noStrike" kern="1200" cap="none" spc="0" normalizeH="0" baseline="0" noProof="0" smtClean="0">
+                <a:ln>
+                  <a:noFill/>
+                </a:ln>
+                <a:solidFill>
+                  <a:schemeClr val="tx1"/>
+                </a:solidFill>
+                <a:effectLst/>
+                <a:uLnTx/>
+                <a:uFillTx/>
+                <a:latin typeface="+mn-lt"/>
+                <a:ea typeface="+mn-ea"/>
+                <a:cs typeface="+mn-cs"/>
+              </a:rPr>
+              <a:t>KCY		TTHT</a:t>
+            </a:r>
+            <a:r>
+              <a:rPr kumimoji="0" lang="zh-TW" altLang="en-US" sz="3200" b="1" i="0" u="none" strike="noStrike" kern="1200" cap="none" spc="0" normalizeH="0" baseline="0" noProof="0" smtClean="0">
+                <a:ln>
+                  <a:noFill/>
+                </a:ln>
+                <a:solidFill>
+                  <a:schemeClr val="tx1"/>
+                </a:solidFill>
+                <a:effectLst/>
+                <a:uLnTx/>
+                <a:uFillTx/>
+                <a:latin typeface="+mn-lt"/>
+                <a:ea typeface="+mn-ea"/>
+                <a:cs typeface="+mn-cs"/>
+              </a:rPr>
+              <a:t> </a:t>
+            </a:r>
+            <a:r>
+              <a:rPr kumimoji="0" lang="en-US" altLang="zh-TW" sz="3200" b="1" i="0" u="none" strike="noStrike" kern="1200" cap="none" spc="0" normalizeH="0" baseline="0" noProof="0" smtClean="0">
+                <a:ln>
+                  <a:noFill/>
+                </a:ln>
+                <a:solidFill>
+                  <a:schemeClr val="tx1"/>
+                </a:solidFill>
+                <a:effectLst/>
+                <a:uLnTx/>
+                <a:uFillTx/>
+                <a:latin typeface="+mn-lt"/>
+                <a:ea typeface="+mn-ea"/>
+                <a:cs typeface="+mn-cs"/>
+              </a:rPr>
+              <a:t>	TJY		JPW	SAL</a:t>
+            </a:r>
+          </a:p>
+          <a:p>
+            <a:pPr>
+              <a:spcBef>
+                <a:spcPct val="20000"/>
+              </a:spcBef>
+            </a:pPr>
+            <a:r>
+              <a:rPr lang="en-US" altLang="zh-TW" smtClean="0"/>
+              <a:t>#bio		#bio		#bio	#</a:t>
+            </a:r>
+            <a:r>
+              <a:rPr lang="en-US" altLang="zh-TW" smtClean="0"/>
+              <a:t>e</a:t>
+            </a:r>
+            <a:r>
+              <a:rPr lang="en-US" altLang="zh-TW" smtClean="0"/>
+              <a:t>nvironmental 	#CS</a:t>
+            </a:r>
+            <a:br>
+              <a:rPr lang="en-US" altLang="zh-TW" smtClean="0"/>
+            </a:br>
+            <a:r>
+              <a:rPr lang="en-US" altLang="zh-TW" smtClean="0"/>
+              <a:t>#info		#art		#agri	#analysis		#bioinfo</a:t>
+            </a:r>
+            <a:endParaRPr kumimoji="0" lang="zh-TW" altLang="en-US" i="0" u="none" strike="noStrike" kern="1200" cap="none" spc="0" normalizeH="0" baseline="0" noProof="0" smtClean="0">
+              <a:ln>
+                <a:noFill/>
+              </a:ln>
+              <a:solidFill>
+                <a:schemeClr val="tx1"/>
+              </a:solidFill>
+              <a:effectLst/>
+              <a:uLnTx/>
+              <a:uFillTx/>
+              <a:latin typeface="+mn-lt"/>
+              <a:ea typeface="+mn-ea"/>
+              <a:cs typeface="+mn-cs"/>
+            </a:endParaRPr>
           </a:p>
         </p:txBody>
       </p:sp>
@@ -8579,7 +8713,7 @@
           </a:prstGeom>
           <a:solidFill>
             <a:schemeClr val="bg2">
-              <a:lumMod val="50000"/>
+              <a:lumMod val="75000"/>
             </a:schemeClr>
           </a:solidFill>
           <a:ln>
@@ -8764,7 +8898,6 @@
               <a:rPr lang="en-US" altLang="zh-TW" sz="2000" b="1" smtClean="0"/>
               <a:t>(area)</a:t>
             </a:r>
-            <a:endParaRPr lang="en-US" altLang="zh-TW" sz="2000" b="1" smtClean="0"/>
           </a:p>
           <a:p>
             <a:pPr algn="ctr"/>
@@ -8772,7 +8905,6 @@
               <a:rPr lang="en-US" altLang="zh-TW" sz="2000" b="1" smtClean="0"/>
               <a:t>(reason)</a:t>
             </a:r>
-            <a:endParaRPr lang="en-US" altLang="zh-TW" sz="2000" b="1" smtClean="0"/>
           </a:p>
         </p:txBody>
       </p:sp>
@@ -8863,7 +8995,7 @@
         </p:blipFill>
         <p:spPr bwMode="auto">
           <a:xfrm>
-            <a:off x="171450" y="2600067"/>
+            <a:off x="171450" y="2456051"/>
             <a:ext cx="8801100" cy="2638425"/>
           </a:xfrm>
           <a:prstGeom prst="rect">
@@ -8886,8 +9018,8 @@
         </p:nvSpPr>
         <p:spPr>
           <a:xfrm>
-            <a:off x="526085" y="1844824"/>
-            <a:ext cx="8091831" cy="584775"/>
+            <a:off x="402237" y="1700808"/>
+            <a:ext cx="8339527" cy="584775"/>
           </a:xfrm>
           <a:prstGeom prst="rect">
             <a:avLst/>
@@ -8903,7 +9035,15 @@
             <a:pPr algn="ctr"/>
             <a:r>
               <a:rPr lang="en-US" altLang="zh-TW" sz="3200" smtClean="0"/>
-              <a:t>https://www.facebook.com/biomaker/</a:t>
+              <a:t>https://www.facebook.com/</a:t>
+            </a:r>
+            <a:r>
+              <a:rPr lang="en-US" altLang="zh-TW" sz="3200" b="1" smtClean="0"/>
+              <a:t>biomaker</a:t>
+            </a:r>
+            <a:r>
+              <a:rPr lang="en-US" altLang="zh-TW" sz="3200" smtClean="0"/>
+              <a:t>/</a:t>
             </a:r>
             <a:endParaRPr lang="zh-TW" altLang="en-US" sz="3200"/>
           </a:p>

--- a/簡報_跨領域研究室.pptx
+++ b/簡報_跨領域研究室.pptx
@@ -5,7 +5,7 @@
     <p:sldMasterId id="2147483648" r:id="rId1"/>
   </p:sldMasterIdLst>
   <p:notesMasterIdLst>
-    <p:notesMasterId r:id="rId14"/>
+    <p:notesMasterId r:id="rId15"/>
   </p:notesMasterIdLst>
   <p:sldIdLst>
     <p:sldId id="256" r:id="rId2"/>
@@ -16,10 +16,11 @@
     <p:sldId id="259" r:id="rId7"/>
     <p:sldId id="263" r:id="rId8"/>
     <p:sldId id="262" r:id="rId9"/>
-    <p:sldId id="266" r:id="rId10"/>
-    <p:sldId id="264" r:id="rId11"/>
-    <p:sldId id="267" r:id="rId12"/>
-    <p:sldId id="265" r:id="rId13"/>
+    <p:sldId id="268" r:id="rId10"/>
+    <p:sldId id="266" r:id="rId11"/>
+    <p:sldId id="264" r:id="rId12"/>
+    <p:sldId id="267" r:id="rId13"/>
+    <p:sldId id="265" r:id="rId14"/>
   </p:sldIdLst>
   <p:sldSz cx="9144000" cy="6858000" type="screen4x3"/>
   <p:notesSz cx="6858000" cy="9144000"/>
@@ -3800,15 +3801,7 @@
             </a:pPr>
             <a:r>
               <a:rPr lang="en-US" altLang="zh-TW" smtClean="0"/>
-              <a:t>#bio		#bio		#bio	#</a:t>
-            </a:r>
-            <a:r>
-              <a:rPr lang="en-US" altLang="zh-TW" smtClean="0"/>
-              <a:t>e</a:t>
-            </a:r>
-            <a:r>
-              <a:rPr lang="en-US" altLang="zh-TW" smtClean="0"/>
-              <a:t>nvironmental 	#CS</a:t>
+              <a:t>#bio		#bio		#bio	#environmental 	#CS</a:t>
             </a:r>
             <a:br>
               <a:rPr lang="en-US" altLang="zh-TW" smtClean="0"/>
@@ -3850,6 +3843,134 @@
 </file>
 
 <file path=ppt/slides/slide10.xml><?xml version="1.0" encoding="utf-8"?>
+<p:sld xmlns:a="http://schemas.openxmlformats.org/drawingml/2006/main" xmlns:r="http://schemas.openxmlformats.org/officeDocument/2006/relationships" xmlns:p="http://schemas.openxmlformats.org/presentationml/2006/main">
+  <p:cSld>
+    <p:spTree>
+      <p:nvGrpSpPr>
+        <p:cNvPr id="1" name=""/>
+        <p:cNvGrpSpPr/>
+        <p:nvPr/>
+      </p:nvGrpSpPr>
+      <p:grpSpPr>
+        <a:xfrm>
+          <a:off x="0" y="0"/>
+          <a:ext cx="0" cy="0"/>
+          <a:chOff x="0" y="0"/>
+          <a:chExt cx="0" cy="0"/>
+        </a:xfrm>
+      </p:grpSpPr>
+      <p:pic>
+        <p:nvPicPr>
+          <p:cNvPr id="4098" name="Picture 2"/>
+          <p:cNvPicPr>
+            <a:picLocks noChangeAspect="1" noChangeArrowheads="1"/>
+          </p:cNvPicPr>
+          <p:nvPr/>
+        </p:nvPicPr>
+        <p:blipFill>
+          <a:blip r:embed="rId2" cstate="print"/>
+          <a:srcRect/>
+          <a:stretch>
+            <a:fillRect/>
+          </a:stretch>
+        </p:blipFill>
+        <p:spPr bwMode="auto">
+          <a:xfrm>
+            <a:off x="171450" y="2456051"/>
+            <a:ext cx="8801100" cy="2638425"/>
+          </a:xfrm>
+          <a:prstGeom prst="rect">
+            <a:avLst/>
+          </a:prstGeom>
+          <a:noFill/>
+          <a:ln w="9525">
+            <a:noFill/>
+            <a:miter lim="800000"/>
+            <a:headEnd/>
+            <a:tailEnd/>
+          </a:ln>
+        </p:spPr>
+      </p:pic>
+      <p:sp>
+        <p:nvSpPr>
+          <p:cNvPr id="9" name="文字方塊 8"/>
+          <p:cNvSpPr txBox="1"/>
+          <p:nvPr/>
+        </p:nvSpPr>
+        <p:spPr>
+          <a:xfrm>
+            <a:off x="402237" y="1700808"/>
+            <a:ext cx="8339527" cy="584775"/>
+          </a:xfrm>
+          <a:prstGeom prst="rect">
+            <a:avLst/>
+          </a:prstGeom>
+          <a:noFill/>
+        </p:spPr>
+        <p:txBody>
+          <a:bodyPr wrap="none" rtlCol="0">
+            <a:spAutoFit/>
+          </a:bodyPr>
+          <a:lstStyle/>
+          <a:p>
+            <a:pPr algn="ctr"/>
+            <a:r>
+              <a:rPr lang="en-US" altLang="zh-TW" sz="3200" smtClean="0"/>
+              <a:t>https://www.facebook.com/</a:t>
+            </a:r>
+            <a:r>
+              <a:rPr lang="en-US" altLang="zh-TW" sz="3200" b="1" smtClean="0"/>
+              <a:t>biomaker</a:t>
+            </a:r>
+            <a:r>
+              <a:rPr lang="en-US" altLang="zh-TW" sz="3200" smtClean="0"/>
+              <a:t>/</a:t>
+            </a:r>
+            <a:endParaRPr lang="zh-TW" altLang="en-US" sz="3200"/>
+          </a:p>
+        </p:txBody>
+      </p:sp>
+      <p:sp>
+        <p:nvSpPr>
+          <p:cNvPr id="10" name="標題 9"/>
+          <p:cNvSpPr>
+            <a:spLocks noGrp="1"/>
+          </p:cNvSpPr>
+          <p:nvPr>
+            <p:ph type="title"/>
+          </p:nvPr>
+        </p:nvSpPr>
+        <p:spPr/>
+        <p:txBody>
+          <a:bodyPr>
+            <a:normAutofit/>
+          </a:bodyPr>
+          <a:lstStyle/>
+          <a:p>
+            <a:r>
+              <a:rPr lang="en-US" altLang="zh-TW" b="1" smtClean="0"/>
+              <a:t>DEMO</a:t>
+            </a:r>
+            <a:endParaRPr lang="zh-TW" altLang="en-US" b="1"/>
+          </a:p>
+        </p:txBody>
+      </p:sp>
+    </p:spTree>
+  </p:cSld>
+  <p:clrMapOvr>
+    <a:masterClrMapping/>
+  </p:clrMapOvr>
+  <p:timing>
+    <p:tnLst>
+      <p:par>
+        <p:cTn id="1" dur="indefinite" restart="never" nodeType="tmRoot"/>
+      </p:par>
+    </p:tnLst>
+  </p:timing>
+</p:sld>
+</file>
+
+<file path=ppt/slides/slide11.xml><?xml version="1.0" encoding="utf-8"?>
 <p:sld xmlns:a="http://schemas.openxmlformats.org/drawingml/2006/main" xmlns:r="http://schemas.openxmlformats.org/officeDocument/2006/relationships" xmlns:p="http://schemas.openxmlformats.org/presentationml/2006/main">
   <p:cSld>
     <p:spTree>
@@ -3933,7 +4054,7 @@
 </p:sld>
 </file>
 
-<file path=ppt/slides/slide11.xml><?xml version="1.0" encoding="utf-8"?>
+<file path=ppt/slides/slide12.xml><?xml version="1.0" encoding="utf-8"?>
 <p:sld xmlns:a="http://schemas.openxmlformats.org/drawingml/2006/main" xmlns:r="http://schemas.openxmlformats.org/officeDocument/2006/relationships" xmlns:p="http://schemas.openxmlformats.org/presentationml/2006/main">
   <p:cSld>
     <p:spTree>
@@ -4017,7 +4138,7 @@
 </p:sld>
 </file>
 
-<file path=ppt/slides/slide12.xml><?xml version="1.0" encoding="utf-8"?>
+<file path=ppt/slides/slide13.xml><?xml version="1.0" encoding="utf-8"?>
 <p:sld xmlns:a="http://schemas.openxmlformats.org/drawingml/2006/main" xmlns:r="http://schemas.openxmlformats.org/officeDocument/2006/relationships" xmlns:p="http://schemas.openxmlformats.org/presentationml/2006/main">
   <p:cSld>
     <p:spTree>
@@ -8978,80 +9099,9 @@
           <a:chExt cx="0" cy="0"/>
         </a:xfrm>
       </p:grpSpPr>
-      <p:pic>
-        <p:nvPicPr>
-          <p:cNvPr id="4098" name="Picture 2"/>
-          <p:cNvPicPr>
-            <a:picLocks noChangeAspect="1" noChangeArrowheads="1"/>
-          </p:cNvPicPr>
-          <p:nvPr/>
-        </p:nvPicPr>
-        <p:blipFill>
-          <a:blip r:embed="rId2" cstate="print"/>
-          <a:srcRect/>
-          <a:stretch>
-            <a:fillRect/>
-          </a:stretch>
-        </p:blipFill>
-        <p:spPr bwMode="auto">
-          <a:xfrm>
-            <a:off x="171450" y="2456051"/>
-            <a:ext cx="8801100" cy="2638425"/>
-          </a:xfrm>
-          <a:prstGeom prst="rect">
-            <a:avLst/>
-          </a:prstGeom>
-          <a:noFill/>
-          <a:ln w="9525">
-            <a:noFill/>
-            <a:miter lim="800000"/>
-            <a:headEnd/>
-            <a:tailEnd/>
-          </a:ln>
-        </p:spPr>
-      </p:pic>
-      <p:sp>
-        <p:nvSpPr>
-          <p:cNvPr id="9" name="文字方塊 8"/>
-          <p:cNvSpPr txBox="1"/>
-          <p:nvPr/>
-        </p:nvSpPr>
-        <p:spPr>
-          <a:xfrm>
-            <a:off x="402237" y="1700808"/>
-            <a:ext cx="8339527" cy="584775"/>
-          </a:xfrm>
-          <a:prstGeom prst="rect">
-            <a:avLst/>
-          </a:prstGeom>
-          <a:noFill/>
-        </p:spPr>
-        <p:txBody>
-          <a:bodyPr wrap="none" rtlCol="0">
-            <a:spAutoFit/>
-          </a:bodyPr>
-          <a:lstStyle/>
-          <a:p>
-            <a:pPr algn="ctr"/>
-            <a:r>
-              <a:rPr lang="en-US" altLang="zh-TW" sz="3200" smtClean="0"/>
-              <a:t>https://www.facebook.com/</a:t>
-            </a:r>
-            <a:r>
-              <a:rPr lang="en-US" altLang="zh-TW" sz="3200" b="1" smtClean="0"/>
-              <a:t>biomaker</a:t>
-            </a:r>
-            <a:r>
-              <a:rPr lang="en-US" altLang="zh-TW" sz="3200" smtClean="0"/>
-              <a:t>/</a:t>
-            </a:r>
-            <a:endParaRPr lang="zh-TW" altLang="en-US" sz="3200"/>
-          </a:p>
-        </p:txBody>
-      </p:sp>
-      <p:sp>
-        <p:nvSpPr>
-          <p:cNvPr id="10" name="標題 9"/>
+      <p:sp>
+        <p:nvSpPr>
+          <p:cNvPr id="3" name="標題 2"/>
           <p:cNvSpPr>
             <a:spLocks noGrp="1"/>
           </p:cNvSpPr>
@@ -9062,15 +9112,349 @@
         <p:spPr/>
         <p:txBody>
           <a:bodyPr>
-            <a:normAutofit/>
+            <a:normAutofit fontScale="90000"/>
           </a:bodyPr>
           <a:lstStyle/>
           <a:p>
             <a:r>
               <a:rPr lang="en-US" altLang="zh-TW" b="1" smtClean="0"/>
-              <a:t>DEMO</a:t>
-            </a:r>
-            <a:endParaRPr lang="zh-TW" altLang="en-US" b="1"/>
+              <a:t>Primary </a:t>
+            </a:r>
+            <a:r>
+              <a:rPr lang="en-US" altLang="zh-TW" b="1" smtClean="0"/>
+              <a:t>Dataset/Database</a:t>
+            </a:r>
+            <a:r>
+              <a:rPr lang="en-US" altLang="zh-TW" smtClean="0"/>
+              <a:t/>
+            </a:r>
+            <a:br>
+              <a:rPr lang="en-US" altLang="zh-TW" smtClean="0"/>
+            </a:br>
+            <a:endParaRPr lang="zh-TW" altLang="en-US"/>
+          </a:p>
+        </p:txBody>
+      </p:sp>
+      <p:sp>
+        <p:nvSpPr>
+          <p:cNvPr id="4" name="內容版面配置區 3"/>
+          <p:cNvSpPr>
+            <a:spLocks noGrp="1"/>
+          </p:cNvSpPr>
+          <p:nvPr>
+            <p:ph idx="1"/>
+          </p:nvPr>
+        </p:nvSpPr>
+        <p:spPr>
+          <a:xfrm>
+            <a:off x="0" y="1124744"/>
+            <a:ext cx="9144000" cy="4525963"/>
+          </a:xfrm>
+        </p:spPr>
+        <p:txBody>
+          <a:bodyPr>
+            <a:noAutofit/>
+          </a:bodyPr>
+          <a:lstStyle/>
+          <a:p>
+            <a:r>
+              <a:rPr lang="zh-TW" altLang="en-US" sz="1600" smtClean="0"/>
+              <a:t>臺灣</a:t>
+            </a:r>
+            <a:r>
+              <a:rPr lang="en-US" altLang="zh-TW" sz="1600" smtClean="0"/>
+              <a:t>MRL</a:t>
+            </a:r>
+            <a:r>
+              <a:rPr lang="zh-TW" altLang="en-US" sz="1600" smtClean="0"/>
+              <a:t>查詢</a:t>
+            </a:r>
+            <a:r>
+              <a:rPr lang="zh-TW" altLang="en-US" sz="1600" smtClean="0"/>
+              <a:t>資料庫</a:t>
+            </a:r>
+            <a:r>
+              <a:rPr lang="en-US" altLang="zh-TW" sz="1600" smtClean="0"/>
+              <a:t>https</a:t>
+            </a:r>
+            <a:r>
+              <a:rPr lang="en-US" altLang="zh-TW" sz="1600" smtClean="0"/>
+              <a:t>://consumer.fda.gov.tw/Law/PesticideList.aspx?nodeID=520</a:t>
+            </a:r>
+          </a:p>
+          <a:p>
+            <a:r>
+              <a:rPr lang="zh-TW" altLang="en-US" sz="1600" smtClean="0"/>
+              <a:t>日本</a:t>
+            </a:r>
+            <a:r>
+              <a:rPr lang="en-US" altLang="zh-TW" sz="1600" smtClean="0"/>
+              <a:t>MRL</a:t>
+            </a:r>
+            <a:r>
+              <a:rPr lang="zh-TW" altLang="en-US" sz="1600" smtClean="0"/>
+              <a:t>查詢</a:t>
+            </a:r>
+            <a:r>
+              <a:rPr lang="zh-TW" altLang="en-US" sz="1600" smtClean="0"/>
+              <a:t>資料庫</a:t>
+            </a:r>
+            <a:r>
+              <a:rPr lang="en-US" altLang="zh-TW" sz="1600" smtClean="0"/>
+              <a:t>http</a:t>
+            </a:r>
+            <a:r>
+              <a:rPr lang="en-US" altLang="zh-TW" sz="1600" smtClean="0"/>
+              <a:t>://www.m5.ws001.squarestart.ne.jp/foundation/search.html</a:t>
+            </a:r>
+          </a:p>
+          <a:p>
+            <a:r>
+              <a:rPr lang="zh-TW" altLang="en-US" sz="1600" smtClean="0"/>
+              <a:t>韓國</a:t>
+            </a:r>
+            <a:r>
+              <a:rPr lang="en-US" altLang="zh-TW" sz="1600" smtClean="0"/>
+              <a:t>MRL</a:t>
+            </a:r>
+            <a:r>
+              <a:rPr lang="zh-TW" altLang="en-US" sz="1600" smtClean="0"/>
+              <a:t>查詢</a:t>
+            </a:r>
+            <a:r>
+              <a:rPr lang="zh-TW" altLang="en-US" sz="1600" smtClean="0"/>
+              <a:t>資料庫</a:t>
+            </a:r>
+            <a:r>
+              <a:rPr lang="en-US" altLang="zh-TW" sz="1600" smtClean="0"/>
+              <a:t>http</a:t>
+            </a:r>
+            <a:r>
+              <a:rPr lang="en-US" altLang="zh-TW" sz="1600" smtClean="0"/>
+              <a:t>://www.foodsafetykorea.go.kr/residue/prd/mrls/list.do?menuKey=1&amp;subMenuKey=161</a:t>
+            </a:r>
+          </a:p>
+          <a:p>
+            <a:r>
+              <a:rPr lang="zh-TW" altLang="en-US" sz="1600" smtClean="0"/>
+              <a:t>邊境檢驗不符合食品</a:t>
+            </a:r>
+            <a:r>
+              <a:rPr lang="zh-TW" altLang="en-US" sz="1600" smtClean="0"/>
+              <a:t>資訊</a:t>
+            </a:r>
+            <a:r>
+              <a:rPr lang="zh-TW" altLang="en-US" sz="1600" smtClean="0"/>
+              <a:t>查詢</a:t>
+            </a:r>
+            <a:r>
+              <a:rPr lang="en-US" altLang="zh-TW" sz="1600" smtClean="0"/>
+              <a:t>ttps</a:t>
+            </a:r>
+            <a:r>
+              <a:rPr lang="en-US" altLang="zh-TW" sz="1600" smtClean="0"/>
+              <a:t>://consumer.fda.gov.tw/Food/UnsafeFood.aspx?nodeID=170#consumer.fda.gov.tw/Food/UnsafeFood.aspx?nodeID=170#</a:t>
+            </a:r>
+          </a:p>
+          <a:p>
+            <a:r>
+              <a:rPr lang="zh-TW" altLang="en-US" sz="1600" smtClean="0"/>
+              <a:t>農藥</a:t>
+            </a:r>
+            <a:r>
+              <a:rPr lang="zh-TW" altLang="en-US" sz="1600" smtClean="0"/>
+              <a:t>名稱</a:t>
+            </a:r>
+            <a:r>
+              <a:rPr lang="zh-TW" altLang="en-US" sz="1600" smtClean="0"/>
+              <a:t>手冊</a:t>
+            </a:r>
+            <a:r>
+              <a:rPr lang="en-US" altLang="zh-TW" sz="1600" smtClean="0"/>
+              <a:t>http</a:t>
+            </a:r>
+            <a:r>
+              <a:rPr lang="en-US" altLang="zh-TW" sz="1600" smtClean="0"/>
+              <a:t>://data.gov.tw/node/7281</a:t>
+            </a:r>
+          </a:p>
+          <a:p>
+            <a:r>
+              <a:rPr lang="zh-TW" altLang="en-US" sz="1600" smtClean="0"/>
+              <a:t>病蟲害診斷服務問答</a:t>
+            </a:r>
+            <a:r>
+              <a:rPr lang="zh-TW" altLang="en-US" sz="1600" smtClean="0"/>
+              <a:t>集</a:t>
+            </a:r>
+            <a:r>
+              <a:rPr lang="zh-TW" altLang="en-US" sz="1600" smtClean="0"/>
+              <a:t>資料</a:t>
+            </a:r>
+            <a:r>
+              <a:rPr lang="en-US" altLang="zh-TW" sz="1600" smtClean="0"/>
+              <a:t>http</a:t>
+            </a:r>
+            <a:r>
+              <a:rPr lang="en-US" altLang="zh-TW" sz="1600" smtClean="0"/>
+              <a:t>://data.coa.gov.tw/Query/AdvSearch.aspx?id=022</a:t>
+            </a:r>
+          </a:p>
+          <a:p>
+            <a:r>
+              <a:rPr lang="zh-TW" altLang="en-US" sz="1600" smtClean="0"/>
+              <a:t>重要農業害蟲診斷</a:t>
+            </a:r>
+            <a:r>
+              <a:rPr lang="zh-TW" altLang="en-US" sz="1600" smtClean="0"/>
+              <a:t>圖鑑</a:t>
+            </a:r>
+            <a:r>
+              <a:rPr lang="zh-TW" altLang="en-US" sz="1600" smtClean="0"/>
+              <a:t>資料</a:t>
+            </a:r>
+            <a:r>
+              <a:rPr lang="en-US" altLang="zh-TW" sz="1600" smtClean="0"/>
+              <a:t>http</a:t>
+            </a:r>
+            <a:r>
+              <a:rPr lang="en-US" altLang="zh-TW" sz="1600" smtClean="0"/>
+              <a:t>://data.coa.gov.tw/Query/AdvSearch.aspx?id=176</a:t>
+            </a:r>
+          </a:p>
+          <a:p>
+            <a:r>
+              <a:rPr lang="zh-TW" altLang="en-US" sz="1600" smtClean="0"/>
+              <a:t>韓國</a:t>
+            </a:r>
+            <a:r>
+              <a:rPr lang="en-US" altLang="zh-TW" sz="1600" smtClean="0"/>
+              <a:t>MRL</a:t>
+            </a:r>
+            <a:r>
+              <a:rPr lang="zh-TW" altLang="en-US" sz="1600" smtClean="0"/>
+              <a:t>法規</a:t>
+            </a:r>
+            <a:r>
+              <a:rPr lang="en-US" altLang="zh-TW" sz="1600" smtClean="0"/>
+              <a:t>http</a:t>
+            </a:r>
+            <a:r>
+              <a:rPr lang="en-US" altLang="zh-TW" sz="1600" smtClean="0"/>
+              <a:t>://www.mfds.go.kr/eng/eng/index.do?nMenuCode=120&amp;page=1&amp;mode=view&amp;boardSeq=71065</a:t>
+            </a:r>
+          </a:p>
+          <a:p>
+            <a:r>
+              <a:rPr lang="zh-TW" altLang="en-US" sz="1600" smtClean="0"/>
+              <a:t>泰國</a:t>
+            </a:r>
+            <a:r>
+              <a:rPr lang="en-US" altLang="zh-TW" sz="1600" smtClean="0"/>
+              <a:t>MRL</a:t>
+            </a:r>
+            <a:r>
+              <a:rPr lang="zh-TW" altLang="en-US" sz="1600" smtClean="0"/>
+              <a:t>法規</a:t>
+            </a:r>
+            <a:r>
+              <a:rPr lang="en-US" altLang="zh-TW" sz="1600" smtClean="0"/>
+              <a:t>(</a:t>
+            </a:r>
+            <a:r>
+              <a:rPr lang="en-US" altLang="zh-TW" sz="1600" smtClean="0"/>
+              <a:t>TA9002-2013)http</a:t>
+            </a:r>
+            <a:r>
+              <a:rPr lang="en-US" altLang="zh-TW" sz="1600" smtClean="0"/>
+              <a:t>://extwprlegs1.fao.org/docs/pdf/tha161066.pdf</a:t>
+            </a:r>
+          </a:p>
+          <a:p>
+            <a:r>
+              <a:rPr lang="zh-TW" altLang="en-US" sz="1600" smtClean="0"/>
+              <a:t>行政院農業</a:t>
+            </a:r>
+            <a:r>
+              <a:rPr lang="zh-TW" altLang="en-US" sz="1600" smtClean="0"/>
+              <a:t>統計</a:t>
+            </a:r>
+            <a:r>
+              <a:rPr lang="zh-TW" altLang="en-US" sz="1600" smtClean="0"/>
+              <a:t>資料庫</a:t>
+            </a:r>
+            <a:r>
+              <a:rPr lang="en-US" altLang="zh-TW" sz="1600" smtClean="0"/>
+              <a:t>http</a:t>
+            </a:r>
+            <a:r>
+              <a:rPr lang="en-US" altLang="zh-TW" sz="1600" smtClean="0"/>
+              <a:t>://agrstat.coa.gov.tw/sdweb/public/trade/tradereport.aspx</a:t>
+            </a:r>
+          </a:p>
+          <a:p>
+            <a:r>
+              <a:rPr lang="en-US" altLang="zh-TW" sz="1600" smtClean="0"/>
+              <a:t>105</a:t>
+            </a:r>
+            <a:r>
+              <a:rPr lang="zh-TW" altLang="en-US" sz="1600" smtClean="0"/>
+              <a:t>年我國農產</a:t>
+            </a:r>
+            <a:r>
+              <a:rPr lang="zh-TW" altLang="en-US" sz="1600" smtClean="0"/>
+              <a:t>貿易</a:t>
+            </a:r>
+            <a:r>
+              <a:rPr lang="zh-TW" altLang="en-US" sz="1600" smtClean="0"/>
+              <a:t>概況</a:t>
+            </a:r>
+            <a:r>
+              <a:rPr lang="en-US" altLang="zh-TW" sz="1600" smtClean="0"/>
+              <a:t>http</a:t>
+            </a:r>
+            <a:r>
+              <a:rPr lang="en-US" altLang="zh-TW" sz="1600" smtClean="0"/>
+              <a:t>://</a:t>
+            </a:r>
+            <a:r>
+              <a:rPr lang="en-US" altLang="zh-TW" sz="1600" smtClean="0"/>
+              <a:t>www.coa.gov.tw/ws.php?id=2506389</a:t>
+            </a:r>
+            <a:endParaRPr lang="en-US" altLang="zh-TW" sz="1600" smtClean="0"/>
+          </a:p>
+          <a:p>
+            <a:r>
+              <a:rPr lang="zh-TW" altLang="en-US" sz="1600" smtClean="0"/>
+              <a:t>臺灣</a:t>
+            </a:r>
+            <a:r>
+              <a:rPr lang="en-US" altLang="zh-TW" sz="1600" smtClean="0"/>
+              <a:t>MRL</a:t>
+            </a:r>
+            <a:r>
+              <a:rPr lang="zh-TW" altLang="en-US" sz="1600" smtClean="0"/>
+              <a:t>法規</a:t>
+            </a:r>
+            <a:r>
+              <a:rPr lang="en-US" altLang="zh-TW" sz="1600" smtClean="0"/>
+              <a:t>(</a:t>
+            </a:r>
+            <a:r>
+              <a:rPr lang="zh-TW" altLang="en-US" sz="1600" smtClean="0"/>
+              <a:t>英</a:t>
+            </a:r>
+            <a:r>
+              <a:rPr lang="en-US" altLang="zh-TW" sz="1600" smtClean="0"/>
+              <a:t>)</a:t>
+            </a:r>
+          </a:p>
+          <a:p>
+            <a:r>
+              <a:rPr lang="en-US" altLang="zh-TW" sz="1600" smtClean="0"/>
+              <a:t>http://law.moj.gov.tw/Eng/LawClass/LawContent.aspx?PCODE=L0040083</a:t>
+            </a:r>
+            <a:endParaRPr lang="zh-TW" altLang="en-US" sz="1600"/>
           </a:p>
         </p:txBody>
       </p:sp>
@@ -9079,13 +9463,6 @@
   <p:clrMapOvr>
     <a:masterClrMapping/>
   </p:clrMapOvr>
-  <p:timing>
-    <p:tnLst>
-      <p:par>
-        <p:cTn id="1" dur="indefinite" restart="never" nodeType="tmRoot"/>
-      </p:par>
-    </p:tnLst>
-  </p:timing>
 </p:sld>
 </file>
 

--- a/簡報_跨領域研究室.pptx
+++ b/簡報_跨領域研究室.pptx
@@ -3603,7 +3603,7 @@
         </p:nvSpPr>
         <p:spPr>
           <a:xfrm>
-            <a:off x="251520" y="332656"/>
+            <a:off x="251520" y="1196752"/>
             <a:ext cx="8460432" cy="1470025"/>
           </a:xfrm>
         </p:spPr>
@@ -3672,7 +3672,7 @@
         </p:nvSpPr>
         <p:spPr>
           <a:xfrm>
-            <a:off x="683568" y="3933056"/>
+            <a:off x="683568" y="3573016"/>
             <a:ext cx="7776864" cy="1752600"/>
           </a:xfrm>
         </p:spPr>
@@ -3711,7 +3711,7 @@
         </p:nvSpPr>
         <p:spPr>
           <a:xfrm>
-            <a:off x="251520" y="5301208"/>
+            <a:off x="251520" y="4941168"/>
             <a:ext cx="8892480" cy="1437184"/>
           </a:xfrm>
           <a:prstGeom prst="rect">
@@ -9118,11 +9118,7 @@
           <a:p>
             <a:r>
               <a:rPr lang="en-US" altLang="zh-TW" b="1" smtClean="0"/>
-              <a:t>Primary </a:t>
-            </a:r>
-            <a:r>
-              <a:rPr lang="en-US" altLang="zh-TW" b="1" smtClean="0"/>
-              <a:t>Dataset/Database</a:t>
+              <a:t>Primary Dataset/Database</a:t>
             </a:r>
             <a:r>
               <a:rPr lang="en-US" altLang="zh-TW" smtClean="0"/>
@@ -9167,19 +9163,11 @@
             </a:r>
             <a:r>
               <a:rPr lang="zh-TW" altLang="en-US" sz="1600" smtClean="0"/>
-              <a:t>查詢</a:t>
-            </a:r>
-            <a:r>
-              <a:rPr lang="zh-TW" altLang="en-US" sz="1600" smtClean="0"/>
-              <a:t>資料庫</a:t>
+              <a:t>查詢資料庫</a:t>
             </a:r>
             <a:r>
               <a:rPr lang="en-US" altLang="zh-TW" sz="1600" smtClean="0"/>
-              <a:t>https</a:t>
-            </a:r>
-            <a:r>
-              <a:rPr lang="en-US" altLang="zh-TW" sz="1600" smtClean="0"/>
-              <a:t>://consumer.fda.gov.tw/Law/PesticideList.aspx?nodeID=520</a:t>
+              <a:t>https://consumer.fda.gov.tw/Law/PesticideList.aspx?nodeID=520</a:t>
             </a:r>
           </a:p>
           <a:p>
@@ -9193,19 +9181,11 @@
             </a:r>
             <a:r>
               <a:rPr lang="zh-TW" altLang="en-US" sz="1600" smtClean="0"/>
-              <a:t>查詢</a:t>
-            </a:r>
-            <a:r>
-              <a:rPr lang="zh-TW" altLang="en-US" sz="1600" smtClean="0"/>
-              <a:t>資料庫</a:t>
+              <a:t>查詢資料庫</a:t>
             </a:r>
             <a:r>
               <a:rPr lang="en-US" altLang="zh-TW" sz="1600" smtClean="0"/>
-              <a:t>http</a:t>
-            </a:r>
-            <a:r>
-              <a:rPr lang="en-US" altLang="zh-TW" sz="1600" smtClean="0"/>
-              <a:t>://www.m5.ws001.squarestart.ne.jp/foundation/search.html</a:t>
+              <a:t>http://www.m5.ws001.squarestart.ne.jp/foundation/search.html</a:t>
             </a:r>
           </a:p>
           <a:p>
@@ -9219,107 +9199,51 @@
             </a:r>
             <a:r>
               <a:rPr lang="zh-TW" altLang="en-US" sz="1600" smtClean="0"/>
-              <a:t>查詢</a:t>
-            </a:r>
+              <a:t>查詢資料庫</a:t>
+            </a:r>
+            <a:r>
+              <a:rPr lang="en-US" altLang="zh-TW" sz="1600" smtClean="0"/>
+              <a:t>http://www.foodsafetykorea.go.kr/residue/prd/mrls/list.do?menuKey=1&amp;subMenuKey=161</a:t>
+            </a:r>
+          </a:p>
+          <a:p>
             <a:r>
               <a:rPr lang="zh-TW" altLang="en-US" sz="1600" smtClean="0"/>
-              <a:t>資料庫</a:t>
+              <a:t>邊境檢驗不符合食品資訊查詢</a:t>
             </a:r>
             <a:r>
               <a:rPr lang="en-US" altLang="zh-TW" sz="1600" smtClean="0"/>
-              <a:t>http</a:t>
+              <a:t>ttps://consumer.fda.gov.tw/Food/UnsafeFood.aspx?nodeID=170#consumer.fda.gov.tw/Food/UnsafeFood.aspx?nodeID=170#</a:t>
+            </a:r>
+          </a:p>
+          <a:p>
+            <a:r>
+              <a:rPr lang="zh-TW" altLang="en-US" sz="1600" smtClean="0"/>
+              <a:t>農藥名稱手冊</a:t>
             </a:r>
             <a:r>
               <a:rPr lang="en-US" altLang="zh-TW" sz="1600" smtClean="0"/>
-              <a:t>://www.foodsafetykorea.go.kr/residue/prd/mrls/list.do?menuKey=1&amp;subMenuKey=161</a:t>
+              <a:t>http://data.gov.tw/node/7281</a:t>
             </a:r>
           </a:p>
           <a:p>
             <a:r>
               <a:rPr lang="zh-TW" altLang="en-US" sz="1600" smtClean="0"/>
-              <a:t>邊境檢驗不符合食品</a:t>
-            </a:r>
+              <a:t>病蟲害診斷服務問答集資料</a:t>
+            </a:r>
+            <a:r>
+              <a:rPr lang="en-US" altLang="zh-TW" sz="1600" smtClean="0"/>
+              <a:t>http://data.coa.gov.tw/Query/AdvSearch.aspx?id=022</a:t>
+            </a:r>
+          </a:p>
+          <a:p>
             <a:r>
               <a:rPr lang="zh-TW" altLang="en-US" sz="1600" smtClean="0"/>
-              <a:t>資訊</a:t>
-            </a:r>
-            <a:r>
-              <a:rPr lang="zh-TW" altLang="en-US" sz="1600" smtClean="0"/>
-              <a:t>查詢</a:t>
+              <a:t>重要農業害蟲診斷圖鑑資料</a:t>
             </a:r>
             <a:r>
               <a:rPr lang="en-US" altLang="zh-TW" sz="1600" smtClean="0"/>
-              <a:t>ttps</a:t>
-            </a:r>
-            <a:r>
-              <a:rPr lang="en-US" altLang="zh-TW" sz="1600" smtClean="0"/>
-              <a:t>://consumer.fda.gov.tw/Food/UnsafeFood.aspx?nodeID=170#consumer.fda.gov.tw/Food/UnsafeFood.aspx?nodeID=170#</a:t>
-            </a:r>
-          </a:p>
-          <a:p>
-            <a:r>
-              <a:rPr lang="zh-TW" altLang="en-US" sz="1600" smtClean="0"/>
-              <a:t>農藥</a:t>
-            </a:r>
-            <a:r>
-              <a:rPr lang="zh-TW" altLang="en-US" sz="1600" smtClean="0"/>
-              <a:t>名稱</a:t>
-            </a:r>
-            <a:r>
-              <a:rPr lang="zh-TW" altLang="en-US" sz="1600" smtClean="0"/>
-              <a:t>手冊</a:t>
-            </a:r>
-            <a:r>
-              <a:rPr lang="en-US" altLang="zh-TW" sz="1600" smtClean="0"/>
-              <a:t>http</a:t>
-            </a:r>
-            <a:r>
-              <a:rPr lang="en-US" altLang="zh-TW" sz="1600" smtClean="0"/>
-              <a:t>://data.gov.tw/node/7281</a:t>
-            </a:r>
-          </a:p>
-          <a:p>
-            <a:r>
-              <a:rPr lang="zh-TW" altLang="en-US" sz="1600" smtClean="0"/>
-              <a:t>病蟲害診斷服務問答</a:t>
-            </a:r>
-            <a:r>
-              <a:rPr lang="zh-TW" altLang="en-US" sz="1600" smtClean="0"/>
-              <a:t>集</a:t>
-            </a:r>
-            <a:r>
-              <a:rPr lang="zh-TW" altLang="en-US" sz="1600" smtClean="0"/>
-              <a:t>資料</a:t>
-            </a:r>
-            <a:r>
-              <a:rPr lang="en-US" altLang="zh-TW" sz="1600" smtClean="0"/>
-              <a:t>http</a:t>
-            </a:r>
-            <a:r>
-              <a:rPr lang="en-US" altLang="zh-TW" sz="1600" smtClean="0"/>
-              <a:t>://data.coa.gov.tw/Query/AdvSearch.aspx?id=022</a:t>
-            </a:r>
-          </a:p>
-          <a:p>
-            <a:r>
-              <a:rPr lang="zh-TW" altLang="en-US" sz="1600" smtClean="0"/>
-              <a:t>重要農業害蟲診斷</a:t>
-            </a:r>
-            <a:r>
-              <a:rPr lang="zh-TW" altLang="en-US" sz="1600" smtClean="0"/>
-              <a:t>圖鑑</a:t>
-            </a:r>
-            <a:r>
-              <a:rPr lang="zh-TW" altLang="en-US" sz="1600" smtClean="0"/>
-              <a:t>資料</a:t>
-            </a:r>
-            <a:r>
-              <a:rPr lang="en-US" altLang="zh-TW" sz="1600" smtClean="0"/>
-              <a:t>http</a:t>
-            </a:r>
-            <a:r>
-              <a:rPr lang="en-US" altLang="zh-TW" sz="1600" smtClean="0"/>
-              <a:t>://data.coa.gov.tw/Query/AdvSearch.aspx?id=176</a:t>
+              <a:t>http://data.coa.gov.tw/Query/AdvSearch.aspx?id=176</a:t>
             </a:r>
           </a:p>
           <a:p>
@@ -9337,11 +9261,7 @@
             </a:r>
             <a:r>
               <a:rPr lang="en-US" altLang="zh-TW" sz="1600" smtClean="0"/>
-              <a:t>http</a:t>
-            </a:r>
-            <a:r>
-              <a:rPr lang="en-US" altLang="zh-TW" sz="1600" smtClean="0"/>
-              <a:t>://www.mfds.go.kr/eng/eng/index.do?nMenuCode=120&amp;page=1&amp;mode=view&amp;boardSeq=71065</a:t>
+              <a:t>http://www.mfds.go.kr/eng/eng/index.do?nMenuCode=120&amp;page=1&amp;mode=view&amp;boardSeq=71065</a:t>
             </a:r>
           </a:p>
           <a:p>
@@ -9359,37 +9279,17 @@
             </a:r>
             <a:r>
               <a:rPr lang="en-US" altLang="zh-TW" sz="1600" smtClean="0"/>
-              <a:t>(</a:t>
+              <a:t>(TA9002-2013)http://extwprlegs1.fao.org/docs/pdf/tha161066.pdf</a:t>
+            </a:r>
+          </a:p>
+          <a:p>
+            <a:r>
+              <a:rPr lang="zh-TW" altLang="en-US" sz="1600" smtClean="0"/>
+              <a:t>行政院農業統計資料庫</a:t>
             </a:r>
             <a:r>
               <a:rPr lang="en-US" altLang="zh-TW" sz="1600" smtClean="0"/>
-              <a:t>TA9002-2013)http</a:t>
-            </a:r>
-            <a:r>
-              <a:rPr lang="en-US" altLang="zh-TW" sz="1600" smtClean="0"/>
-              <a:t>://extwprlegs1.fao.org/docs/pdf/tha161066.pdf</a:t>
-            </a:r>
-          </a:p>
-          <a:p>
-            <a:r>
-              <a:rPr lang="zh-TW" altLang="en-US" sz="1600" smtClean="0"/>
-              <a:t>行政院農業</a:t>
-            </a:r>
-            <a:r>
-              <a:rPr lang="zh-TW" altLang="en-US" sz="1600" smtClean="0"/>
-              <a:t>統計</a:t>
-            </a:r>
-            <a:r>
-              <a:rPr lang="zh-TW" altLang="en-US" sz="1600" smtClean="0"/>
-              <a:t>資料庫</a:t>
-            </a:r>
-            <a:r>
-              <a:rPr lang="en-US" altLang="zh-TW" sz="1600" smtClean="0"/>
-              <a:t>http</a:t>
-            </a:r>
-            <a:r>
-              <a:rPr lang="en-US" altLang="zh-TW" sz="1600" smtClean="0"/>
-              <a:t>://agrstat.coa.gov.tw/sdweb/public/trade/tradereport.aspx</a:t>
+              <a:t>http://agrstat.coa.gov.tw/sdweb/public/trade/tradereport.aspx</a:t>
             </a:r>
           </a:p>
           <a:p>
@@ -9399,29 +9299,12 @@
             </a:r>
             <a:r>
               <a:rPr lang="zh-TW" altLang="en-US" sz="1600" smtClean="0"/>
-              <a:t>年我國農產</a:t>
-            </a:r>
-            <a:r>
-              <a:rPr lang="zh-TW" altLang="en-US" sz="1600" smtClean="0"/>
-              <a:t>貿易</a:t>
-            </a:r>
-            <a:r>
-              <a:rPr lang="zh-TW" altLang="en-US" sz="1600" smtClean="0"/>
-              <a:t>概況</a:t>
+              <a:t>年我國農產貿易概況</a:t>
             </a:r>
             <a:r>
               <a:rPr lang="en-US" altLang="zh-TW" sz="1600" smtClean="0"/>
-              <a:t>http</a:t>
-            </a:r>
-            <a:r>
-              <a:rPr lang="en-US" altLang="zh-TW" sz="1600" smtClean="0"/>
-              <a:t>://</a:t>
-            </a:r>
-            <a:r>
-              <a:rPr lang="en-US" altLang="zh-TW" sz="1600" smtClean="0"/>
-              <a:t>www.coa.gov.tw/ws.php?id=2506389</a:t>
-            </a:r>
-            <a:endParaRPr lang="en-US" altLang="zh-TW" sz="1600" smtClean="0"/>
+              <a:t>http://www.coa.gov.tw/ws.php?id=2506389</a:t>
+            </a:r>
           </a:p>
           <a:p>
             <a:r>
